--- a/רכב אוטונומי .pptx
+++ b/רכב אוטונומי .pptx
@@ -141,6 +141,12 @@
 </p:presentation>
 </file>
 
+<file path=ppt/commentAuthors.xml><?xml version="1.0" encoding="utf-8"?>
+<p:cmAuthorLst xmlns:a="http://schemas.openxmlformats.org/drawingml/2006/main" xmlns:r="http://schemas.openxmlformats.org/officeDocument/2006/relationships" xmlns:p="http://schemas.openxmlformats.org/presentationml/2006/main">
+  <p:cmAuthor id="2" name="Author" initials="A" lastIdx="0" clrIdx="1"/>
+</p:cmAuthorLst>
+</file>
+
 <file path=ppt/notesMasters/notesMaster1.xml><?xml version="1.0" encoding="utf-8"?>
 <p:notesMaster xmlns:a="http://schemas.openxmlformats.org/drawingml/2006/main" xmlns:r="http://schemas.openxmlformats.org/officeDocument/2006/relationships" xmlns:p="http://schemas.openxmlformats.org/presentationml/2006/main">
   <p:cSld>
@@ -223,7 +229,7 @@
           <a:p>
             <a:fld id="{C8D18E60-4300-4729-A0D7-6AB984C3922D}" type="datetimeFigureOut">
               <a:rPr lang="en-US" smtClean="0"/>
-              <a:t>1/19/2021</a:t>
+              <a:t>1/25/2021</a:t>
             </a:fld>
             <a:endParaRPr lang="en-US"/>
           </a:p>
@@ -702,7 +708,7 @@
             <a:fld id="{53074F12-AA26-4AC8-9962-C36BB8F32554}" type="datetimeFigureOut">
               <a:rPr lang="en-US" smtClean="0"/>
               <a:pPr/>
-              <a:t>1/19/2021</a:t>
+              <a:t>1/25/2021</a:t>
             </a:fld>
             <a:endParaRPr lang="en-US"/>
           </a:p>
@@ -956,7 +962,7 @@
             <a:fld id="{53074F12-AA26-4AC8-9962-C36BB8F32554}" type="datetimeFigureOut">
               <a:rPr lang="en-US" smtClean="0"/>
               <a:pPr/>
-              <a:t>1/19/2021</a:t>
+              <a:t>1/25/2021</a:t>
             </a:fld>
             <a:endParaRPr lang="en-US"/>
           </a:p>
@@ -1126,7 +1132,7 @@
             <a:fld id="{53074F12-AA26-4AC8-9962-C36BB8F32554}" type="datetimeFigureOut">
               <a:rPr lang="en-US" smtClean="0"/>
               <a:pPr/>
-              <a:t>1/19/2021</a:t>
+              <a:t>1/25/2021</a:t>
             </a:fld>
             <a:endParaRPr lang="en-US"/>
           </a:p>
@@ -1306,7 +1312,7 @@
             <a:fld id="{53074F12-AA26-4AC8-9962-C36BB8F32554}" type="datetimeFigureOut">
               <a:rPr lang="en-US" smtClean="0"/>
               <a:pPr/>
-              <a:t>1/19/2021</a:t>
+              <a:t>1/25/2021</a:t>
             </a:fld>
             <a:endParaRPr lang="en-US"/>
           </a:p>
@@ -1588,7 +1594,7 @@
             <a:fld id="{53074F12-AA26-4AC8-9962-C36BB8F32554}" type="datetimeFigureOut">
               <a:rPr lang="en-US" smtClean="0"/>
               <a:pPr/>
-              <a:t>1/19/2021</a:t>
+              <a:t>1/25/2021</a:t>
             </a:fld>
             <a:endParaRPr lang="en-US"/>
           </a:p>
@@ -1835,7 +1841,7 @@
             <a:fld id="{53074F12-AA26-4AC8-9962-C36BB8F32554}" type="datetimeFigureOut">
               <a:rPr lang="en-US" smtClean="0"/>
               <a:pPr/>
-              <a:t>1/19/2021</a:t>
+              <a:t>1/25/2021</a:t>
             </a:fld>
             <a:endParaRPr lang="en-US"/>
           </a:p>
@@ -2082,7 +2088,7 @@
             <a:fld id="{53074F12-AA26-4AC8-9962-C36BB8F32554}" type="datetimeFigureOut">
               <a:rPr lang="en-US" smtClean="0"/>
               <a:pPr/>
-              <a:t>1/19/2021</a:t>
+              <a:t>1/25/2021</a:t>
             </a:fld>
             <a:endParaRPr lang="en-US"/>
           </a:p>
@@ -2369,7 +2375,7 @@
             <a:fld id="{53074F12-AA26-4AC8-9962-C36BB8F32554}" type="datetimeFigureOut">
               <a:rPr lang="en-US" smtClean="0"/>
               <a:pPr/>
-              <a:t>1/19/2021</a:t>
+              <a:t>1/25/2021</a:t>
             </a:fld>
             <a:endParaRPr lang="en-US"/>
           </a:p>
@@ -2856,7 +2862,7 @@
             <a:fld id="{53074F12-AA26-4AC8-9962-C36BB8F32554}" type="datetimeFigureOut">
               <a:rPr lang="en-US" smtClean="0"/>
               <a:pPr/>
-              <a:t>1/19/2021</a:t>
+              <a:t>1/25/2021</a:t>
             </a:fld>
             <a:endParaRPr lang="en-US"/>
           </a:p>
@@ -2975,7 +2981,7 @@
             <a:fld id="{53074F12-AA26-4AC8-9962-C36BB8F32554}" type="datetimeFigureOut">
               <a:rPr lang="en-US" smtClean="0"/>
               <a:pPr/>
-              <a:t>1/19/2021</a:t>
+              <a:t>1/25/2021</a:t>
             </a:fld>
             <a:endParaRPr lang="en-US"/>
           </a:p>
@@ -3072,7 +3078,7 @@
             <a:fld id="{53074F12-AA26-4AC8-9962-C36BB8F32554}" type="datetimeFigureOut">
               <a:rPr lang="en-US" smtClean="0"/>
               <a:pPr/>
-              <a:t>1/19/2021</a:t>
+              <a:t>1/25/2021</a:t>
             </a:fld>
             <a:endParaRPr lang="en-US"/>
           </a:p>
@@ -3349,7 +3355,7 @@
             <a:fld id="{53074F12-AA26-4AC8-9962-C36BB8F32554}" type="datetimeFigureOut">
               <a:rPr lang="en-US" smtClean="0"/>
               <a:pPr/>
-              <a:t>1/19/2021</a:t>
+              <a:t>1/25/2021</a:t>
             </a:fld>
             <a:endParaRPr lang="en-US"/>
           </a:p>
@@ -3571,7 +3577,7 @@
             <a:fld id="{53074F12-AA26-4AC8-9962-C36BB8F32554}" type="datetimeFigureOut">
               <a:rPr lang="en-US" smtClean="0"/>
               <a:pPr/>
-              <a:t>1/19/2021</a:t>
+              <a:t>1/25/2021</a:t>
             </a:fld>
             <a:endParaRPr lang="en-US"/>
           </a:p>
@@ -4122,19 +4128,127 @@
             <a:endParaRPr lang="en-US" b="1" u="sng" dirty="0"/>
           </a:p>
           <a:p>
-            <a:pPr marL="0" indent="0">
-              <a:buNone/>
-            </a:pPr>
-            <a:endParaRPr lang="en-US" dirty="0"/>
-          </a:p>
-          <a:p>
-            <a:pPr marL="0" indent="0">
-              <a:buNone/>
-            </a:pPr>
-            <a:endParaRPr lang="en-US" dirty="0"/>
-          </a:p>
-          <a:p>
-            <a:endParaRPr lang="en-US" dirty="0"/>
+            <a:r>
+              <a:rPr lang="en-US" sz="2000" dirty="0" err="1"/>
+              <a:t>StartUp</a:t>
+            </a:r>
+            <a:r>
+              <a:rPr lang="en-US" sz="2000" dirty="0"/>
+              <a:t>/ </a:t>
+            </a:r>
+            <a:r>
+              <a:rPr lang="en-US" sz="2000" dirty="0" err="1"/>
+              <a:t>ENOff</a:t>
+            </a:r>
+            <a:endParaRPr lang="en-US" sz="2000" dirty="0"/>
+          </a:p>
+          <a:p>
+            <a:r>
+              <a:rPr lang="en-US" sz="2000" dirty="0" err="1"/>
+              <a:t>LookForPark</a:t>
+            </a:r>
+            <a:endParaRPr lang="en-US" sz="2000" dirty="0"/>
+          </a:p>
+          <a:p>
+            <a:r>
+              <a:rPr lang="en-US" sz="2000" dirty="0"/>
+              <a:t>Change parking type/mode ( </a:t>
+            </a:r>
+            <a:r>
+              <a:rPr lang="en-US" sz="2000" dirty="0" err="1"/>
+              <a:t>PType</a:t>
+            </a:r>
+            <a:r>
+              <a:rPr lang="en-US" sz="2000" dirty="0"/>
+              <a:t>, </a:t>
+            </a:r>
+            <a:r>
+              <a:rPr lang="en-US" sz="2000" dirty="0" err="1"/>
+              <a:t>PMode</a:t>
+            </a:r>
+            <a:r>
+              <a:rPr lang="en-US" sz="2000" dirty="0"/>
+              <a:t>)</a:t>
+            </a:r>
+          </a:p>
+          <a:p>
+            <a:r>
+              <a:rPr lang="en-US" sz="2000" dirty="0"/>
+              <a:t>Done parking, done </a:t>
+            </a:r>
+            <a:r>
+              <a:rPr lang="en-US" sz="2000" dirty="0" err="1"/>
+              <a:t>parkingtype</a:t>
+            </a:r>
+            <a:r>
+              <a:rPr lang="en-US" sz="2000" dirty="0"/>
+              <a:t> (</a:t>
+            </a:r>
+            <a:r>
+              <a:rPr lang="en-US" sz="2000" dirty="0" err="1"/>
+              <a:t>FinshP</a:t>
+            </a:r>
+            <a:r>
+              <a:rPr lang="en-US" sz="2000" dirty="0"/>
+              <a:t>, </a:t>
+            </a:r>
+            <a:r>
+              <a:rPr lang="en-US" sz="2000" dirty="0" err="1"/>
+              <a:t>DonePT</a:t>
+            </a:r>
+            <a:r>
+              <a:rPr lang="en-US" sz="2000" dirty="0"/>
+              <a:t>)</a:t>
+            </a:r>
+          </a:p>
+          <a:p>
+            <a:r>
+              <a:rPr lang="en-US" sz="2000" dirty="0"/>
+              <a:t>Computer- </a:t>
+            </a:r>
+            <a:r>
+              <a:rPr lang="en-US" sz="2000" dirty="0" err="1"/>
+              <a:t>cal</a:t>
+            </a:r>
+            <a:r>
+              <a:rPr lang="en-US" sz="2000" dirty="0"/>
+              <a:t> (calibrate) </a:t>
+            </a:r>
+            <a:r>
+              <a:rPr lang="en-US" sz="2000" dirty="0" err="1"/>
+              <a:t>sendD</a:t>
+            </a:r>
+            <a:r>
+              <a:rPr lang="en-US" sz="2000" dirty="0"/>
+              <a:t> (send data), move</a:t>
+            </a:r>
+          </a:p>
+          <a:p>
+            <a:r>
+              <a:rPr lang="en-US" sz="2000" dirty="0"/>
+              <a:t>Gears- after parking time raise done</a:t>
+            </a:r>
+          </a:p>
+          <a:p>
+            <a:r>
+              <a:rPr lang="en-US" sz="2000" dirty="0"/>
+              <a:t>Sensors- </a:t>
+            </a:r>
+            <a:r>
+              <a:rPr lang="en-US" sz="2000" dirty="0" err="1"/>
+              <a:t>calS</a:t>
+            </a:r>
+            <a:r>
+              <a:rPr lang="en-US" sz="2000" dirty="0"/>
+              <a:t>(calibrate sensors) ,off , WORKR/L/B/F sensors calculating</a:t>
+            </a:r>
+          </a:p>
+          <a:p>
+            <a:r>
+              <a:rPr lang="en-US" sz="2000" dirty="0" err="1"/>
+              <a:t>FinishSen</a:t>
+            </a:r>
+            <a:endParaRPr lang="en-US" sz="2000" dirty="0"/>
           </a:p>
           <a:p>
             <a:endParaRPr lang="en-US" dirty="0"/>
@@ -4206,7 +4320,13 @@
       </p:sp>
       <p:sp>
         <p:nvSpPr>
-          <p:cNvPr id="5" name="Content Placeholder 4"/>
+          <p:cNvPr id="13" name="Content Placeholder 12">
+            <a:extLst>
+              <a:ext uri="{FF2B5EF4-FFF2-40B4-BE49-F238E27FC236}">
+                <a16:creationId xmlns:a16="http://schemas.microsoft.com/office/drawing/2014/main" id="{C229BB3B-7616-4085-A1AA-B03AF8B8E99C}"/>
+              </a:ext>
+            </a:extLst>
+          </p:cNvPr>
           <p:cNvSpPr>
             <a:spLocks noGrp="1"/>
           </p:cNvSpPr>
@@ -4214,22 +4334,12 @@
             <p:ph idx="1"/>
           </p:nvPr>
         </p:nvSpPr>
-        <p:spPr>
-          <a:xfrm>
-            <a:off x="255181" y="1177436"/>
-            <a:ext cx="6809297" cy="3511061"/>
-          </a:xfrm>
-        </p:spPr>
-        <p:txBody>
-          <a:bodyPr>
-            <a:normAutofit/>
-          </a:bodyPr>
-          <a:lstStyle/>
-          <a:p>
-            <a:pPr marL="0" indent="0" algn="r" rtl="1">
-              <a:buNone/>
-            </a:pPr>
-            <a:endParaRPr lang="en-US" sz="2600" dirty="0"/>
+        <p:spPr/>
+        <p:txBody>
+          <a:bodyPr/>
+          <a:lstStyle/>
+          <a:p>
+            <a:endParaRPr lang="en-IL" dirty="0"/>
           </a:p>
         </p:txBody>
       </p:sp>
@@ -4426,13 +4536,13 @@
           <a:p>
             <a:r>
               <a:rPr lang="en-US" sz="2600" dirty="0"/>
-              <a:t>When the car find free parking lot, it will park according to the parking lot type (same)</a:t>
+              <a:t>When the car find free parking lot, it will park(same)</a:t>
             </a:r>
           </a:p>
           <a:p>
             <a:r>
               <a:rPr lang="en-US" sz="2600" dirty="0"/>
-              <a:t>When the car didn’t succussed to park during 5 minutes, the car will search new parking lot (same as statecharts)</a:t>
+              <a:t> When the car didn’t succussed to park during 5 minutes, the car will search new parking lot (same as statecharts)</a:t>
             </a:r>
           </a:p>
         </p:txBody>
@@ -4515,7 +4625,7 @@
         </p:spPr>
         <p:txBody>
           <a:bodyPr>
-            <a:normAutofit lnSpcReduction="10000"/>
+            <a:normAutofit/>
           </a:bodyPr>
           <a:lstStyle/>
           <a:p>
@@ -4554,16 +4664,6 @@
             <a:r>
               <a:rPr lang="en-US" sz="2600" dirty="0"/>
               <a:t>Will call the police</a:t>
-            </a:r>
-          </a:p>
-          <a:p>
-            <a:pPr lvl="1">
-              <a:buFont typeface="Wingdings" panose="05000000000000000000" pitchFamily="2" charset="2"/>
-              <a:buChar char="§"/>
-            </a:pPr>
-            <a:r>
-              <a:rPr lang="en-US" sz="2600" dirty="0"/>
-              <a:t> Picture him</a:t>
             </a:r>
           </a:p>
           <a:p>
@@ -5985,12 +6085,7 @@
             <p:ph type="title"/>
           </p:nvPr>
         </p:nvSpPr>
-        <p:spPr>
-          <a:xfrm>
-            <a:off x="471948" y="216962"/>
-            <a:ext cx="8214852" cy="763526"/>
-          </a:xfrm>
-        </p:spPr>
+        <p:spPr/>
         <p:txBody>
           <a:bodyPr>
             <a:normAutofit/>
@@ -6014,12 +6109,7 @@
             <p:ph idx="1"/>
           </p:nvPr>
         </p:nvSpPr>
-        <p:spPr>
-          <a:xfrm>
-            <a:off x="448966" y="1224116"/>
-            <a:ext cx="8246070" cy="3638205"/>
-          </a:xfrm>
-        </p:spPr>
+        <p:spPr/>
         <p:txBody>
           <a:bodyPr>
             <a:normAutofit/>
@@ -6036,10 +6126,114 @@
             <a:endParaRPr lang="en-US" b="1" u="sng" dirty="0"/>
           </a:p>
           <a:p>
+            <a:r>
+              <a:rPr lang="en-US" sz="1800" dirty="0" err="1"/>
+              <a:t>EngineOFF</a:t>
+            </a:r>
+            <a:r>
+              <a:rPr lang="en-US" sz="1800" dirty="0"/>
+              <a:t> /Engine On</a:t>
+            </a:r>
+          </a:p>
+          <a:p>
+            <a:r>
+              <a:rPr lang="en-US" sz="1800" dirty="0"/>
+              <a:t>Driving</a:t>
+            </a:r>
+          </a:p>
+          <a:p>
+            <a:r>
+              <a:rPr lang="en-US" sz="1800" dirty="0"/>
+              <a:t>Parking in prosses / done (parking)</a:t>
+            </a:r>
+          </a:p>
+          <a:p>
+            <a:r>
+              <a:rPr lang="en-US" sz="1800" dirty="0"/>
+              <a:t>Parking inside parking lot ( front ,back )</a:t>
+            </a:r>
+          </a:p>
+          <a:p>
+            <a:r>
+              <a:rPr lang="en-US" sz="1800" dirty="0"/>
+              <a:t>Parking in street (right side , left side)</a:t>
+            </a:r>
+          </a:p>
+          <a:p>
+            <a:r>
+              <a:rPr lang="en-US" sz="1800" dirty="0"/>
+              <a:t>Computer – </a:t>
+            </a:r>
+            <a:r>
+              <a:rPr lang="en-US" sz="1800" dirty="0" err="1"/>
+              <a:t>Cidle</a:t>
+            </a:r>
+            <a:r>
+              <a:rPr lang="en-US" sz="1800" dirty="0"/>
+              <a:t> , </a:t>
+            </a:r>
+            <a:r>
+              <a:rPr lang="en-US" sz="1800" dirty="0" err="1"/>
+              <a:t>Cwork</a:t>
+            </a:r>
+            <a:r>
+              <a:rPr lang="en-US" sz="1800" dirty="0"/>
+              <a:t> , COFF</a:t>
+            </a:r>
+          </a:p>
+          <a:p>
+            <a:r>
+              <a:rPr lang="en-US" sz="1800" dirty="0" err="1"/>
+              <a:t>Geares</a:t>
+            </a:r>
+            <a:r>
+              <a:rPr lang="en-US" sz="1800" dirty="0"/>
+              <a:t>- gas pedal , Steering wheel</a:t>
+            </a:r>
+          </a:p>
+          <a:p>
+            <a:r>
+              <a:rPr lang="en-US" sz="1800" dirty="0"/>
+              <a:t>Sensors- </a:t>
+            </a:r>
+            <a:r>
+              <a:rPr lang="en-US" sz="1800" dirty="0" err="1"/>
+              <a:t>SIdle</a:t>
+            </a:r>
+            <a:r>
+              <a:rPr lang="en-US" sz="1800" dirty="0"/>
+              <a:t>, </a:t>
+            </a:r>
+            <a:r>
+              <a:rPr lang="en-US" sz="1800" dirty="0" err="1"/>
+              <a:t>Soff</a:t>
+            </a:r>
+            <a:r>
+              <a:rPr lang="en-US" sz="1800" dirty="0"/>
+              <a:t>, </a:t>
+            </a:r>
+          </a:p>
+          <a:p>
+            <a:r>
+              <a:rPr lang="en-US" sz="1800" dirty="0" err="1"/>
+              <a:t>Swork</a:t>
+            </a:r>
+            <a:r>
+              <a:rPr lang="en-US" sz="1800" dirty="0"/>
+              <a:t>( All sensors working –Front/Back/Right/Left Sensor Calculation</a:t>
+            </a:r>
+          </a:p>
+          <a:p>
             <a:pPr marL="0" indent="0">
               <a:buNone/>
             </a:pPr>
-            <a:endParaRPr lang="en-US" dirty="0"/>
+            <a:endParaRPr lang="en-US" sz="1400" dirty="0"/>
+          </a:p>
+          <a:p>
+            <a:endParaRPr lang="en-US" sz="1400" dirty="0"/>
+          </a:p>
+          <a:p>
+            <a:endParaRPr lang="en-US" sz="1400" dirty="0"/>
           </a:p>
           <a:p>
             <a:pPr marL="0" indent="0">

--- a/רכב אוטונומי .pptx
+++ b/רכב אוטונומי .pptx
@@ -5,7 +5,7 @@
     <p:sldMasterId id="2147483648" r:id="rId1"/>
   </p:sldMasterIdLst>
   <p:notesMasterIdLst>
-    <p:notesMasterId r:id="rId18"/>
+    <p:notesMasterId r:id="rId26"/>
   </p:notesMasterIdLst>
   <p:sldIdLst>
     <p:sldId id="256" r:id="rId2"/>
@@ -19,11 +19,19 @@
     <p:sldId id="269" r:id="rId10"/>
     <p:sldId id="270" r:id="rId11"/>
     <p:sldId id="271" r:id="rId12"/>
-    <p:sldId id="272" r:id="rId13"/>
-    <p:sldId id="273" r:id="rId14"/>
-    <p:sldId id="277" r:id="rId15"/>
-    <p:sldId id="278" r:id="rId16"/>
-    <p:sldId id="274" r:id="rId17"/>
+    <p:sldId id="283" r:id="rId13"/>
+    <p:sldId id="285" r:id="rId14"/>
+    <p:sldId id="272" r:id="rId15"/>
+    <p:sldId id="286" r:id="rId16"/>
+    <p:sldId id="287" r:id="rId17"/>
+    <p:sldId id="288" r:id="rId18"/>
+    <p:sldId id="273" r:id="rId19"/>
+    <p:sldId id="277" r:id="rId20"/>
+    <p:sldId id="278" r:id="rId21"/>
+    <p:sldId id="279" r:id="rId22"/>
+    <p:sldId id="281" r:id="rId23"/>
+    <p:sldId id="282" r:id="rId24"/>
+    <p:sldId id="280" r:id="rId25"/>
   </p:sldIdLst>
   <p:sldSz cx="9144000" cy="5143500" type="screen16x9"/>
   <p:notesSz cx="6858000" cy="9144000"/>
@@ -4318,31 +4326,78 @@
           </a:p>
         </p:txBody>
       </p:sp>
-      <p:sp>
-        <p:nvSpPr>
-          <p:cNvPr id="13" name="Content Placeholder 12">
+      <p:pic>
+        <p:nvPicPr>
+          <p:cNvPr id="3" name="Picture 2">
             <a:extLst>
               <a:ext uri="{FF2B5EF4-FFF2-40B4-BE49-F238E27FC236}">
-                <a16:creationId xmlns:a16="http://schemas.microsoft.com/office/drawing/2014/main" id="{C229BB3B-7616-4085-A1AA-B03AF8B8E99C}"/>
+                <a16:creationId xmlns:a16="http://schemas.microsoft.com/office/drawing/2014/main" id="{7AB8DE3A-8F9D-4908-B3C9-DF4F9486515D}"/>
               </a:ext>
             </a:extLst>
           </p:cNvPr>
-          <p:cNvSpPr>
-            <a:spLocks noGrp="1"/>
-          </p:cNvSpPr>
-          <p:nvPr>
-            <p:ph idx="1"/>
-          </p:nvPr>
-        </p:nvSpPr>
-        <p:spPr/>
-        <p:txBody>
-          <a:bodyPr/>
-          <a:lstStyle/>
-          <a:p>
-            <a:endParaRPr lang="en-IL" dirty="0"/>
-          </a:p>
-        </p:txBody>
-      </p:sp>
+          <p:cNvPicPr>
+            <a:picLocks noChangeAspect="1"/>
+          </p:cNvPicPr>
+          <p:nvPr/>
+        </p:nvPicPr>
+        <p:blipFill>
+          <a:blip r:embed="rId2">
+            <a:extLst>
+              <a:ext uri="{28A0092B-C50C-407E-A947-70E740481C1C}">
+                <a14:useLocalDpi xmlns:a14="http://schemas.microsoft.com/office/drawing/2010/main" val="0"/>
+              </a:ext>
+            </a:extLst>
+          </a:blip>
+          <a:stretch>
+            <a:fillRect/>
+          </a:stretch>
+        </p:blipFill>
+        <p:spPr>
+          <a:xfrm>
+            <a:off x="2750301" y="1383175"/>
+            <a:ext cx="4303114" cy="2377150"/>
+          </a:xfrm>
+          <a:prstGeom prst="rect">
+            <a:avLst/>
+          </a:prstGeom>
+        </p:spPr>
+      </p:pic>
+      <p:pic>
+        <p:nvPicPr>
+          <p:cNvPr id="6" name="Picture 5">
+            <a:extLst>
+              <a:ext uri="{FF2B5EF4-FFF2-40B4-BE49-F238E27FC236}">
+                <a16:creationId xmlns:a16="http://schemas.microsoft.com/office/drawing/2014/main" id="{1D922C89-EF10-47CC-8B16-62C9BDC42322}"/>
+              </a:ext>
+            </a:extLst>
+          </p:cNvPr>
+          <p:cNvPicPr>
+            <a:picLocks noChangeAspect="1"/>
+          </p:cNvPicPr>
+          <p:nvPr/>
+        </p:nvPicPr>
+        <p:blipFill>
+          <a:blip r:embed="rId3">
+            <a:extLst>
+              <a:ext uri="{28A0092B-C50C-407E-A947-70E740481C1C}">
+                <a14:useLocalDpi xmlns:a14="http://schemas.microsoft.com/office/drawing/2010/main" val="0"/>
+              </a:ext>
+            </a:extLst>
+          </a:blip>
+          <a:stretch>
+            <a:fillRect/>
+          </a:stretch>
+        </p:blipFill>
+        <p:spPr>
+          <a:xfrm>
+            <a:off x="70883" y="701729"/>
+            <a:ext cx="2445490" cy="4374047"/>
+          </a:xfrm>
+          <a:prstGeom prst="rect">
+            <a:avLst/>
+          </a:prstGeom>
+        </p:spPr>
+      </p:pic>
     </p:spTree>
     <p:extLst>
       <p:ext uri="{BB962C8B-B14F-4D97-AF65-F5344CB8AC3E}">
@@ -4375,7 +4430,7 @@
       </p:grpSpPr>
       <p:sp>
         <p:nvSpPr>
-          <p:cNvPr id="2" name="Title 1"/>
+          <p:cNvPr id="4" name="Title 3"/>
           <p:cNvSpPr>
             <a:spLocks noGrp="1"/>
           </p:cNvSpPr>
@@ -4385,8 +4440,8 @@
         </p:nvSpPr>
         <p:spPr>
           <a:xfrm>
-            <a:off x="471948" y="216962"/>
-            <a:ext cx="8214852" cy="763526"/>
+            <a:off x="481502" y="266198"/>
+            <a:ext cx="6571913" cy="725349"/>
           </a:xfrm>
         </p:spPr>
         <p:txBody>
@@ -4395,61 +4450,54 @@
           </a:bodyPr>
           <a:lstStyle/>
           <a:p>
+            <a:pPr algn="ctr" rtl="1"/>
             <a:r>
               <a:rPr lang="en-US" dirty="0"/>
-              <a:t>LSC’s</a:t>
-            </a:r>
-          </a:p>
-        </p:txBody>
-      </p:sp>
-      <p:sp>
-        <p:nvSpPr>
-          <p:cNvPr id="3" name="Content Placeholder 2"/>
-          <p:cNvSpPr>
-            <a:spLocks noGrp="1"/>
-          </p:cNvSpPr>
-          <p:nvPr>
-            <p:ph idx="1"/>
-          </p:nvPr>
-        </p:nvSpPr>
-        <p:spPr>
-          <a:xfrm>
-            <a:off x="448966" y="1224116"/>
-            <a:ext cx="8246070" cy="3638205"/>
-          </a:xfrm>
-        </p:spPr>
-        <p:txBody>
-          <a:bodyPr>
-            <a:normAutofit/>
-          </a:bodyPr>
-          <a:lstStyle/>
-          <a:p>
-            <a:pPr marL="0" indent="0">
-              <a:buNone/>
-            </a:pPr>
-            <a:endParaRPr lang="en-US" dirty="0"/>
-          </a:p>
-          <a:p>
-            <a:pPr marL="0" indent="0">
-              <a:buNone/>
-            </a:pPr>
-            <a:endParaRPr lang="en-US" dirty="0"/>
-          </a:p>
-          <a:p>
-            <a:endParaRPr lang="en-US" dirty="0"/>
-          </a:p>
-          <a:p>
-            <a:endParaRPr lang="en-US" dirty="0"/>
-          </a:p>
-          <a:p>
-            <a:endParaRPr lang="en-US" dirty="0"/>
-          </a:p>
-        </p:txBody>
-      </p:sp>
+              <a:t>Statecharts</a:t>
+            </a:r>
+          </a:p>
+        </p:txBody>
+      </p:sp>
+      <p:pic>
+        <p:nvPicPr>
+          <p:cNvPr id="3" name="Picture 2">
+            <a:extLst>
+              <a:ext uri="{FF2B5EF4-FFF2-40B4-BE49-F238E27FC236}">
+                <a16:creationId xmlns:a16="http://schemas.microsoft.com/office/drawing/2014/main" id="{DF136E07-27F9-466D-A665-C2A18BAC118A}"/>
+              </a:ext>
+            </a:extLst>
+          </p:cNvPr>
+          <p:cNvPicPr>
+            <a:picLocks noChangeAspect="1"/>
+          </p:cNvPicPr>
+          <p:nvPr/>
+        </p:nvPicPr>
+        <p:blipFill>
+          <a:blip r:embed="rId2">
+            <a:extLst>
+              <a:ext uri="{28A0092B-C50C-407E-A947-70E740481C1C}">
+                <a14:useLocalDpi xmlns:a14="http://schemas.microsoft.com/office/drawing/2010/main" val="0"/>
+              </a:ext>
+            </a:extLst>
+          </a:blip>
+          <a:stretch>
+            <a:fillRect/>
+          </a:stretch>
+        </p:blipFill>
+        <p:spPr>
+          <a:xfrm>
+            <a:off x="79830" y="1061635"/>
+            <a:ext cx="7736114" cy="3919216"/>
+          </a:xfrm>
+          <a:prstGeom prst="rect">
+            <a:avLst/>
+          </a:prstGeom>
+        </p:spPr>
+      </p:pic>
     </p:spTree>
     <p:extLst>
       <p:ext uri="{BB962C8B-B14F-4D97-AF65-F5344CB8AC3E}">
-        <p14:creationId xmlns:p14="http://schemas.microsoft.com/office/powerpoint/2010/main" val="1560052676"/>
+        <p14:creationId xmlns:p14="http://schemas.microsoft.com/office/powerpoint/2010/main" val="3163714823"/>
       </p:ext>
     </p:extLst>
   </p:cSld>
@@ -4501,56 +4549,51 @@
             <a:pPr algn="ctr" rtl="1"/>
             <a:r>
               <a:rPr lang="en-US" dirty="0"/>
-              <a:t>System Requirements</a:t>
-            </a:r>
-          </a:p>
-        </p:txBody>
-      </p:sp>
-      <p:sp>
-        <p:nvSpPr>
-          <p:cNvPr id="5" name="Content Placeholder 4"/>
-          <p:cNvSpPr>
-            <a:spLocks noGrp="1"/>
-          </p:cNvSpPr>
-          <p:nvPr>
-            <p:ph idx="1"/>
-          </p:nvPr>
-        </p:nvSpPr>
-        <p:spPr>
-          <a:xfrm>
-            <a:off x="255181" y="1177436"/>
-            <a:ext cx="6809297" cy="3511061"/>
-          </a:xfrm>
-        </p:spPr>
-        <p:txBody>
-          <a:bodyPr>
-            <a:normAutofit/>
-          </a:bodyPr>
-          <a:lstStyle/>
-          <a:p>
-            <a:r>
-              <a:rPr lang="en-US" sz="2600" dirty="0"/>
-              <a:t>When driver click parking mode then the car search parking lot, 2 km from driver location (new)</a:t>
-            </a:r>
-          </a:p>
-          <a:p>
-            <a:r>
-              <a:rPr lang="en-US" sz="2600" dirty="0"/>
-              <a:t>When the car find free parking lot, it will park(same)</a:t>
-            </a:r>
-          </a:p>
-          <a:p>
-            <a:r>
-              <a:rPr lang="en-US" sz="2600" dirty="0"/>
-              <a:t> When the car didn’t succussed to park during 5 minutes, the car will search new parking lot (same as statecharts)</a:t>
-            </a:r>
-          </a:p>
-        </p:txBody>
-      </p:sp>
+              <a:t>Statecharts</a:t>
+            </a:r>
+          </a:p>
+        </p:txBody>
+      </p:sp>
+      <p:pic>
+        <p:nvPicPr>
+          <p:cNvPr id="3" name="Picture 2">
+            <a:extLst>
+              <a:ext uri="{FF2B5EF4-FFF2-40B4-BE49-F238E27FC236}">
+                <a16:creationId xmlns:a16="http://schemas.microsoft.com/office/drawing/2014/main" id="{BD0285A7-187B-4F99-AA66-3037327E1E33}"/>
+              </a:ext>
+            </a:extLst>
+          </p:cNvPr>
+          <p:cNvPicPr>
+            <a:picLocks noChangeAspect="1"/>
+          </p:cNvPicPr>
+          <p:nvPr/>
+        </p:nvPicPr>
+        <p:blipFill>
+          <a:blip r:embed="rId2">
+            <a:extLst>
+              <a:ext uri="{28A0092B-C50C-407E-A947-70E740481C1C}">
+                <a14:useLocalDpi xmlns:a14="http://schemas.microsoft.com/office/drawing/2010/main" val="0"/>
+              </a:ext>
+            </a:extLst>
+          </a:blip>
+          <a:stretch>
+            <a:fillRect/>
+          </a:stretch>
+        </p:blipFill>
+        <p:spPr>
+          <a:xfrm>
+            <a:off x="52824" y="926234"/>
+            <a:ext cx="7388273" cy="4145539"/>
+          </a:xfrm>
+          <a:prstGeom prst="rect">
+            <a:avLst/>
+          </a:prstGeom>
+        </p:spPr>
+      </p:pic>
     </p:spTree>
     <p:extLst>
       <p:ext uri="{BB962C8B-B14F-4D97-AF65-F5344CB8AC3E}">
-        <p14:creationId xmlns:p14="http://schemas.microsoft.com/office/powerpoint/2010/main" val="1829134231"/>
+        <p14:creationId xmlns:p14="http://schemas.microsoft.com/office/powerpoint/2010/main" val="266464446"/>
       </p:ext>
     </p:extLst>
   </p:cSld>
@@ -4579,7 +4622,7 @@
       </p:grpSpPr>
       <p:sp>
         <p:nvSpPr>
-          <p:cNvPr id="4" name="Title 3"/>
+          <p:cNvPr id="2" name="Title 1"/>
           <p:cNvSpPr>
             <a:spLocks noGrp="1"/>
           </p:cNvSpPr>
@@ -4589,8 +4632,8 @@
         </p:nvSpPr>
         <p:spPr>
           <a:xfrm>
-            <a:off x="481502" y="266198"/>
-            <a:ext cx="6571913" cy="725349"/>
+            <a:off x="471948" y="216962"/>
+            <a:ext cx="8214852" cy="763526"/>
           </a:xfrm>
         </p:spPr>
         <p:txBody>
@@ -4599,17 +4642,16 @@
           </a:bodyPr>
           <a:lstStyle/>
           <a:p>
-            <a:pPr algn="ctr" rtl="1"/>
             <a:r>
               <a:rPr lang="en-US" dirty="0"/>
-              <a:t>System Requirements</a:t>
-            </a:r>
-          </a:p>
-        </p:txBody>
-      </p:sp>
-      <p:sp>
-        <p:nvSpPr>
-          <p:cNvPr id="5" name="Content Placeholder 4"/>
+              <a:t>LSC’s</a:t>
+            </a:r>
+          </a:p>
+        </p:txBody>
+      </p:sp>
+      <p:sp>
+        <p:nvSpPr>
+          <p:cNvPr id="3" name="Content Placeholder 2"/>
           <p:cNvSpPr>
             <a:spLocks noGrp="1"/>
           </p:cNvSpPr>
@@ -4619,8 +4661,8 @@
         </p:nvSpPr>
         <p:spPr>
           <a:xfrm>
-            <a:off x="255181" y="1177436"/>
-            <a:ext cx="6809297" cy="3511061"/>
+            <a:off x="448966" y="1224116"/>
+            <a:ext cx="8246070" cy="3638205"/>
           </a:xfrm>
         </p:spPr>
         <p:txBody>
@@ -4629,52 +4671,68 @@
           </a:bodyPr>
           <a:lstStyle/>
           <a:p>
-            <a:r>
-              <a:rPr lang="en-US" sz="2600" dirty="0"/>
-              <a:t> When the sensor is damage, the car will order tow truck (new)</a:t>
-            </a:r>
-          </a:p>
-          <a:p>
-            <a:r>
-              <a:rPr lang="en-US" sz="2600" dirty="0"/>
-              <a:t>When driver call the car then the car will come to his location (new)</a:t>
-            </a:r>
-          </a:p>
-          <a:p>
-            <a:r>
-              <a:rPr lang="en-US" sz="2600" dirty="0"/>
-              <a:t>When thief try to break the car: (new)</a:t>
-            </a:r>
-          </a:p>
-          <a:p>
-            <a:pPr lvl="1">
-              <a:buFont typeface="Wingdings" panose="05000000000000000000" pitchFamily="2" charset="2"/>
-              <a:buChar char="§"/>
+            <a:pPr marL="0" indent="0">
+              <a:buNone/>
             </a:pPr>
-            <a:r>
-              <a:rPr lang="en-US" sz="2600" dirty="0"/>
-              <a:t>Deny access (forbid) </a:t>
-            </a:r>
-          </a:p>
-          <a:p>
-            <a:pPr lvl="1">
-              <a:buFont typeface="Wingdings" panose="05000000000000000000" pitchFamily="2" charset="2"/>
-              <a:buChar char="§"/>
+            <a:endParaRPr lang="en-US" dirty="0"/>
+          </a:p>
+          <a:p>
+            <a:pPr marL="0" indent="0">
+              <a:buNone/>
             </a:pPr>
-            <a:r>
-              <a:rPr lang="en-US" sz="2600" dirty="0"/>
-              <a:t>Will call the police</a:t>
-            </a:r>
-          </a:p>
-          <a:p>
-            <a:endParaRPr lang="en-US" sz="2600" dirty="0"/>
-          </a:p>
-        </p:txBody>
-      </p:sp>
+            <a:endParaRPr lang="en-US" dirty="0"/>
+          </a:p>
+          <a:p>
+            <a:endParaRPr lang="en-US" dirty="0"/>
+          </a:p>
+          <a:p>
+            <a:endParaRPr lang="en-US" dirty="0"/>
+          </a:p>
+          <a:p>
+            <a:endParaRPr lang="en-US" dirty="0"/>
+          </a:p>
+        </p:txBody>
+      </p:sp>
+      <p:pic>
+        <p:nvPicPr>
+          <p:cNvPr id="5" name="Picture 4">
+            <a:extLst>
+              <a:ext uri="{FF2B5EF4-FFF2-40B4-BE49-F238E27FC236}">
+                <a16:creationId xmlns:a16="http://schemas.microsoft.com/office/drawing/2014/main" id="{F7973B63-0048-4F5A-9B88-BDEDCC0E79C5}"/>
+              </a:ext>
+            </a:extLst>
+          </p:cNvPr>
+          <p:cNvPicPr>
+            <a:picLocks noChangeAspect="1"/>
+          </p:cNvPicPr>
+          <p:nvPr/>
+        </p:nvPicPr>
+        <p:blipFill>
+          <a:blip r:embed="rId2">
+            <a:extLst>
+              <a:ext uri="{28A0092B-C50C-407E-A947-70E740481C1C}">
+                <a14:useLocalDpi xmlns:a14="http://schemas.microsoft.com/office/drawing/2010/main" val="0"/>
+              </a:ext>
+            </a:extLst>
+          </a:blip>
+          <a:stretch>
+            <a:fillRect/>
+          </a:stretch>
+        </p:blipFill>
+        <p:spPr>
+          <a:xfrm>
+            <a:off x="1828974" y="1047864"/>
+            <a:ext cx="5500800" cy="4095636"/>
+          </a:xfrm>
+          <a:prstGeom prst="rect">
+            <a:avLst/>
+          </a:prstGeom>
+        </p:spPr>
+      </p:pic>
     </p:spTree>
     <p:extLst>
       <p:ext uri="{BB962C8B-B14F-4D97-AF65-F5344CB8AC3E}">
-        <p14:creationId xmlns:p14="http://schemas.microsoft.com/office/powerpoint/2010/main" val="77297149"/>
+        <p14:creationId xmlns:p14="http://schemas.microsoft.com/office/powerpoint/2010/main" val="1560052676"/>
       </p:ext>
     </p:extLst>
   </p:cSld>
@@ -4703,7 +4761,7 @@
       </p:grpSpPr>
       <p:sp>
         <p:nvSpPr>
-          <p:cNvPr id="4" name="Title 3"/>
+          <p:cNvPr id="2" name="Title 1"/>
           <p:cNvSpPr>
             <a:spLocks noGrp="1"/>
           </p:cNvSpPr>
@@ -4713,8 +4771,8 @@
         </p:nvSpPr>
         <p:spPr>
           <a:xfrm>
-            <a:off x="481502" y="266198"/>
-            <a:ext cx="6571913" cy="725349"/>
+            <a:off x="471948" y="216962"/>
+            <a:ext cx="8214852" cy="763526"/>
           </a:xfrm>
         </p:spPr>
         <p:txBody>
@@ -4723,17 +4781,16 @@
           </a:bodyPr>
           <a:lstStyle/>
           <a:p>
-            <a:pPr algn="ctr" rtl="1"/>
             <a:r>
               <a:rPr lang="en-US" dirty="0"/>
-              <a:t>System Requirements</a:t>
-            </a:r>
-          </a:p>
-        </p:txBody>
-      </p:sp>
-      <p:sp>
-        <p:nvSpPr>
-          <p:cNvPr id="5" name="Content Placeholder 4"/>
+              <a:t>LSC’s</a:t>
+            </a:r>
+          </a:p>
+        </p:txBody>
+      </p:sp>
+      <p:sp>
+        <p:nvSpPr>
+          <p:cNvPr id="3" name="Content Placeholder 2"/>
           <p:cNvSpPr>
             <a:spLocks noGrp="1"/>
           </p:cNvSpPr>
@@ -4743,8 +4800,8 @@
         </p:nvSpPr>
         <p:spPr>
           <a:xfrm>
-            <a:off x="255181" y="1177436"/>
-            <a:ext cx="6809297" cy="3511061"/>
+            <a:off x="448966" y="1224116"/>
+            <a:ext cx="8246070" cy="3638205"/>
           </a:xfrm>
         </p:spPr>
         <p:txBody>
@@ -4753,45 +4810,68 @@
           </a:bodyPr>
           <a:lstStyle/>
           <a:p>
-            <a:r>
-              <a:rPr lang="en-US" sz="2600" dirty="0"/>
-              <a:t>When car parking, the computer: (same)</a:t>
-            </a:r>
-          </a:p>
-          <a:p>
-            <a:pPr lvl="1">
-              <a:buFont typeface="Wingdings" panose="05000000000000000000" pitchFamily="2" charset="2"/>
-              <a:buChar char="§"/>
+            <a:pPr marL="0" indent="0">
+              <a:buNone/>
             </a:pPr>
-            <a:r>
-              <a:rPr lang="en-US" sz="2600" dirty="0"/>
-              <a:t>Will calculate the entering angle according to the data that receiving from sensors</a:t>
-            </a:r>
-          </a:p>
-          <a:p>
-            <a:pPr lvl="1">
-              <a:buFont typeface="Wingdings" panose="05000000000000000000" pitchFamily="2" charset="2"/>
-              <a:buChar char="§"/>
+            <a:endParaRPr lang="en-US" dirty="0"/>
+          </a:p>
+          <a:p>
+            <a:pPr marL="0" indent="0">
+              <a:buNone/>
             </a:pPr>
-            <a:r>
-              <a:rPr lang="en-US" sz="2600" dirty="0"/>
-              <a:t>Move the car wheel and press the gas </a:t>
-            </a:r>
-            <a:r>
-              <a:rPr lang="en-US" sz="2600" dirty="0" err="1"/>
-              <a:t>padle</a:t>
-            </a:r>
-            <a:r>
-              <a:rPr lang="en-US" sz="2600" dirty="0"/>
-              <a:t> </a:t>
-            </a:r>
-          </a:p>
-        </p:txBody>
-      </p:sp>
+            <a:endParaRPr lang="en-US" dirty="0"/>
+          </a:p>
+          <a:p>
+            <a:endParaRPr lang="en-US" dirty="0"/>
+          </a:p>
+          <a:p>
+            <a:endParaRPr lang="en-US" dirty="0"/>
+          </a:p>
+          <a:p>
+            <a:endParaRPr lang="en-US" dirty="0"/>
+          </a:p>
+        </p:txBody>
+      </p:sp>
+      <p:pic>
+        <p:nvPicPr>
+          <p:cNvPr id="5" name="Picture 4">
+            <a:extLst>
+              <a:ext uri="{FF2B5EF4-FFF2-40B4-BE49-F238E27FC236}">
+                <a16:creationId xmlns:a16="http://schemas.microsoft.com/office/drawing/2014/main" id="{88D59423-ED7D-4548-A3BD-E0567A65BCE1}"/>
+              </a:ext>
+            </a:extLst>
+          </p:cNvPr>
+          <p:cNvPicPr>
+            <a:picLocks noChangeAspect="1"/>
+          </p:cNvPicPr>
+          <p:nvPr/>
+        </p:nvPicPr>
+        <p:blipFill>
+          <a:blip r:embed="rId2">
+            <a:extLst>
+              <a:ext uri="{28A0092B-C50C-407E-A947-70E740481C1C}">
+                <a14:useLocalDpi xmlns:a14="http://schemas.microsoft.com/office/drawing/2010/main" val="0"/>
+              </a:ext>
+            </a:extLst>
+          </a:blip>
+          <a:stretch>
+            <a:fillRect/>
+          </a:stretch>
+        </p:blipFill>
+        <p:spPr>
+          <a:xfrm>
+            <a:off x="1827471" y="1047750"/>
+            <a:ext cx="5489058" cy="4095750"/>
+          </a:xfrm>
+          <a:prstGeom prst="rect">
+            <a:avLst/>
+          </a:prstGeom>
+        </p:spPr>
+      </p:pic>
     </p:spTree>
     <p:extLst>
       <p:ext uri="{BB962C8B-B14F-4D97-AF65-F5344CB8AC3E}">
-        <p14:creationId xmlns:p14="http://schemas.microsoft.com/office/powerpoint/2010/main" val="4192038367"/>
+        <p14:creationId xmlns:p14="http://schemas.microsoft.com/office/powerpoint/2010/main" val="1882802569"/>
       </p:ext>
     </p:extLst>
   </p:cSld>
@@ -4830,8 +4910,8 @@
         </p:nvSpPr>
         <p:spPr>
           <a:xfrm>
-            <a:off x="0" y="216962"/>
-            <a:ext cx="8686800" cy="763526"/>
+            <a:off x="471948" y="216962"/>
+            <a:ext cx="8214852" cy="763526"/>
           </a:xfrm>
         </p:spPr>
         <p:txBody>
@@ -4841,8 +4921,8 @@
           <a:lstStyle/>
           <a:p>
             <a:r>
-              <a:rPr lang="en-US" sz="3200" dirty="0"/>
-              <a:t>Controlled Natural Language</a:t>
+              <a:rPr lang="en-US" dirty="0"/>
+              <a:t>LSC’s</a:t>
             </a:r>
           </a:p>
         </p:txBody>
@@ -4891,10 +4971,410 @@
           </a:p>
         </p:txBody>
       </p:sp>
+      <p:pic>
+        <p:nvPicPr>
+          <p:cNvPr id="5" name="Picture 4">
+            <a:extLst>
+              <a:ext uri="{FF2B5EF4-FFF2-40B4-BE49-F238E27FC236}">
+                <a16:creationId xmlns:a16="http://schemas.microsoft.com/office/drawing/2014/main" id="{62B86757-B53E-4FD6-A294-B24E64EF1879}"/>
+              </a:ext>
+            </a:extLst>
+          </p:cNvPr>
+          <p:cNvPicPr>
+            <a:picLocks noChangeAspect="1"/>
+          </p:cNvPicPr>
+          <p:nvPr/>
+        </p:nvPicPr>
+        <p:blipFill>
+          <a:blip r:embed="rId2">
+            <a:extLst>
+              <a:ext uri="{28A0092B-C50C-407E-A947-70E740481C1C}">
+                <a14:useLocalDpi xmlns:a14="http://schemas.microsoft.com/office/drawing/2010/main" val="0"/>
+              </a:ext>
+            </a:extLst>
+          </a:blip>
+          <a:stretch>
+            <a:fillRect/>
+          </a:stretch>
+        </p:blipFill>
+        <p:spPr>
+          <a:xfrm>
+            <a:off x="1827000" y="1059543"/>
+            <a:ext cx="5490000" cy="4083957"/>
+          </a:xfrm>
+          <a:prstGeom prst="rect">
+            <a:avLst/>
+          </a:prstGeom>
+        </p:spPr>
+      </p:pic>
     </p:spTree>
     <p:extLst>
       <p:ext uri="{BB962C8B-B14F-4D97-AF65-F5344CB8AC3E}">
-        <p14:creationId xmlns:p14="http://schemas.microsoft.com/office/powerpoint/2010/main" val="590264754"/>
+        <p14:creationId xmlns:p14="http://schemas.microsoft.com/office/powerpoint/2010/main" val="3389118330"/>
+      </p:ext>
+    </p:extLst>
+  </p:cSld>
+  <p:clrMapOvr>
+    <a:masterClrMapping/>
+  </p:clrMapOvr>
+</p:sld>
+</file>
+
+<file path=ppt/slides/slide17.xml><?xml version="1.0" encoding="utf-8"?>
+<p:sld xmlns:a="http://schemas.openxmlformats.org/drawingml/2006/main" xmlns:r="http://schemas.openxmlformats.org/officeDocument/2006/relationships" xmlns:p="http://schemas.openxmlformats.org/presentationml/2006/main">
+  <p:cSld>
+    <p:spTree>
+      <p:nvGrpSpPr>
+        <p:cNvPr id="1" name=""/>
+        <p:cNvGrpSpPr/>
+        <p:nvPr/>
+      </p:nvGrpSpPr>
+      <p:grpSpPr>
+        <a:xfrm>
+          <a:off x="0" y="0"/>
+          <a:ext cx="0" cy="0"/>
+          <a:chOff x="0" y="0"/>
+          <a:chExt cx="0" cy="0"/>
+        </a:xfrm>
+      </p:grpSpPr>
+      <p:sp>
+        <p:nvSpPr>
+          <p:cNvPr id="2" name="Title 1"/>
+          <p:cNvSpPr>
+            <a:spLocks noGrp="1"/>
+          </p:cNvSpPr>
+          <p:nvPr>
+            <p:ph type="title"/>
+          </p:nvPr>
+        </p:nvSpPr>
+        <p:spPr>
+          <a:xfrm>
+            <a:off x="471948" y="216962"/>
+            <a:ext cx="8214852" cy="763526"/>
+          </a:xfrm>
+        </p:spPr>
+        <p:txBody>
+          <a:bodyPr>
+            <a:normAutofit/>
+          </a:bodyPr>
+          <a:lstStyle/>
+          <a:p>
+            <a:r>
+              <a:rPr lang="en-US" dirty="0"/>
+              <a:t>LSC’s</a:t>
+            </a:r>
+          </a:p>
+        </p:txBody>
+      </p:sp>
+      <p:sp>
+        <p:nvSpPr>
+          <p:cNvPr id="3" name="Content Placeholder 2"/>
+          <p:cNvSpPr>
+            <a:spLocks noGrp="1"/>
+          </p:cNvSpPr>
+          <p:nvPr>
+            <p:ph idx="1"/>
+          </p:nvPr>
+        </p:nvSpPr>
+        <p:spPr>
+          <a:xfrm>
+            <a:off x="448966" y="1224116"/>
+            <a:ext cx="8246070" cy="3638205"/>
+          </a:xfrm>
+        </p:spPr>
+        <p:txBody>
+          <a:bodyPr>
+            <a:normAutofit/>
+          </a:bodyPr>
+          <a:lstStyle/>
+          <a:p>
+            <a:pPr marL="0" indent="0">
+              <a:buNone/>
+            </a:pPr>
+            <a:endParaRPr lang="en-US" dirty="0"/>
+          </a:p>
+          <a:p>
+            <a:pPr marL="0" indent="0">
+              <a:buNone/>
+            </a:pPr>
+            <a:endParaRPr lang="en-US" dirty="0"/>
+          </a:p>
+          <a:p>
+            <a:endParaRPr lang="en-US" dirty="0"/>
+          </a:p>
+          <a:p>
+            <a:endParaRPr lang="en-US" dirty="0"/>
+          </a:p>
+          <a:p>
+            <a:endParaRPr lang="en-US" dirty="0"/>
+          </a:p>
+        </p:txBody>
+      </p:sp>
+      <p:pic>
+        <p:nvPicPr>
+          <p:cNvPr id="5" name="Picture 4">
+            <a:extLst>
+              <a:ext uri="{FF2B5EF4-FFF2-40B4-BE49-F238E27FC236}">
+                <a16:creationId xmlns:a16="http://schemas.microsoft.com/office/drawing/2014/main" id="{BE990B80-6E6B-4BCB-B17B-7EF500C83ED7}"/>
+              </a:ext>
+            </a:extLst>
+          </p:cNvPr>
+          <p:cNvPicPr>
+            <a:picLocks noChangeAspect="1"/>
+          </p:cNvPicPr>
+          <p:nvPr/>
+        </p:nvPicPr>
+        <p:blipFill>
+          <a:blip r:embed="rId2">
+            <a:extLst>
+              <a:ext uri="{28A0092B-C50C-407E-A947-70E740481C1C}">
+                <a14:useLocalDpi xmlns:a14="http://schemas.microsoft.com/office/drawing/2010/main" val="0"/>
+              </a:ext>
+            </a:extLst>
+          </a:blip>
+          <a:stretch>
+            <a:fillRect/>
+          </a:stretch>
+        </p:blipFill>
+        <p:spPr>
+          <a:xfrm>
+            <a:off x="3189744" y="1063180"/>
+            <a:ext cx="2779259" cy="4080320"/>
+          </a:xfrm>
+          <a:prstGeom prst="rect">
+            <a:avLst/>
+          </a:prstGeom>
+        </p:spPr>
+      </p:pic>
+    </p:spTree>
+    <p:extLst>
+      <p:ext uri="{BB962C8B-B14F-4D97-AF65-F5344CB8AC3E}">
+        <p14:creationId xmlns:p14="http://schemas.microsoft.com/office/powerpoint/2010/main" val="2536140468"/>
+      </p:ext>
+    </p:extLst>
+  </p:cSld>
+  <p:clrMapOvr>
+    <a:masterClrMapping/>
+  </p:clrMapOvr>
+</p:sld>
+</file>
+
+<file path=ppt/slides/slide18.xml><?xml version="1.0" encoding="utf-8"?>
+<p:sld xmlns:a="http://schemas.openxmlformats.org/drawingml/2006/main" xmlns:r="http://schemas.openxmlformats.org/officeDocument/2006/relationships" xmlns:p="http://schemas.openxmlformats.org/presentationml/2006/main">
+  <p:cSld>
+    <p:spTree>
+      <p:nvGrpSpPr>
+        <p:cNvPr id="1" name=""/>
+        <p:cNvGrpSpPr/>
+        <p:nvPr/>
+      </p:nvGrpSpPr>
+      <p:grpSpPr>
+        <a:xfrm>
+          <a:off x="0" y="0"/>
+          <a:ext cx="0" cy="0"/>
+          <a:chOff x="0" y="0"/>
+          <a:chExt cx="0" cy="0"/>
+        </a:xfrm>
+      </p:grpSpPr>
+      <p:sp>
+        <p:nvSpPr>
+          <p:cNvPr id="4" name="Title 3"/>
+          <p:cNvSpPr>
+            <a:spLocks noGrp="1"/>
+          </p:cNvSpPr>
+          <p:nvPr>
+            <p:ph type="title"/>
+          </p:nvPr>
+        </p:nvSpPr>
+        <p:spPr>
+          <a:xfrm>
+            <a:off x="481502" y="266198"/>
+            <a:ext cx="6571913" cy="725349"/>
+          </a:xfrm>
+        </p:spPr>
+        <p:txBody>
+          <a:bodyPr>
+            <a:normAutofit/>
+          </a:bodyPr>
+          <a:lstStyle/>
+          <a:p>
+            <a:pPr algn="ctr" rtl="1"/>
+            <a:r>
+              <a:rPr lang="en-US" dirty="0"/>
+              <a:t>System Requirements</a:t>
+            </a:r>
+          </a:p>
+        </p:txBody>
+      </p:sp>
+      <p:sp>
+        <p:nvSpPr>
+          <p:cNvPr id="5" name="Content Placeholder 4"/>
+          <p:cNvSpPr>
+            <a:spLocks noGrp="1"/>
+          </p:cNvSpPr>
+          <p:nvPr>
+            <p:ph idx="1"/>
+          </p:nvPr>
+        </p:nvSpPr>
+        <p:spPr>
+          <a:xfrm>
+            <a:off x="255181" y="1177436"/>
+            <a:ext cx="6809297" cy="3511061"/>
+          </a:xfrm>
+        </p:spPr>
+        <p:txBody>
+          <a:bodyPr>
+            <a:normAutofit/>
+          </a:bodyPr>
+          <a:lstStyle/>
+          <a:p>
+            <a:r>
+              <a:rPr lang="en-US" sz="2600" dirty="0"/>
+              <a:t>When driver click parking mode then the car search parking lot, 2 km from driver location (new)</a:t>
+            </a:r>
+          </a:p>
+          <a:p>
+            <a:r>
+              <a:rPr lang="en-US" sz="2600" dirty="0"/>
+              <a:t>When the car find free parking lot, it will park(same)</a:t>
+            </a:r>
+          </a:p>
+          <a:p>
+            <a:r>
+              <a:rPr lang="en-US" sz="2600" dirty="0"/>
+              <a:t> When the car didn’t succussed to park during 5 minutes, the car will search new parking lot (same as statecharts)</a:t>
+            </a:r>
+          </a:p>
+        </p:txBody>
+      </p:sp>
+    </p:spTree>
+    <p:extLst>
+      <p:ext uri="{BB962C8B-B14F-4D97-AF65-F5344CB8AC3E}">
+        <p14:creationId xmlns:p14="http://schemas.microsoft.com/office/powerpoint/2010/main" val="1829134231"/>
+      </p:ext>
+    </p:extLst>
+  </p:cSld>
+  <p:clrMapOvr>
+    <a:masterClrMapping/>
+  </p:clrMapOvr>
+</p:sld>
+</file>
+
+<file path=ppt/slides/slide19.xml><?xml version="1.0" encoding="utf-8"?>
+<p:sld xmlns:a="http://schemas.openxmlformats.org/drawingml/2006/main" xmlns:r="http://schemas.openxmlformats.org/officeDocument/2006/relationships" xmlns:p="http://schemas.openxmlformats.org/presentationml/2006/main">
+  <p:cSld>
+    <p:spTree>
+      <p:nvGrpSpPr>
+        <p:cNvPr id="1" name=""/>
+        <p:cNvGrpSpPr/>
+        <p:nvPr/>
+      </p:nvGrpSpPr>
+      <p:grpSpPr>
+        <a:xfrm>
+          <a:off x="0" y="0"/>
+          <a:ext cx="0" cy="0"/>
+          <a:chOff x="0" y="0"/>
+          <a:chExt cx="0" cy="0"/>
+        </a:xfrm>
+      </p:grpSpPr>
+      <p:sp>
+        <p:nvSpPr>
+          <p:cNvPr id="4" name="Title 3"/>
+          <p:cNvSpPr>
+            <a:spLocks noGrp="1"/>
+          </p:cNvSpPr>
+          <p:nvPr>
+            <p:ph type="title"/>
+          </p:nvPr>
+        </p:nvSpPr>
+        <p:spPr>
+          <a:xfrm>
+            <a:off x="481502" y="266198"/>
+            <a:ext cx="6571913" cy="725349"/>
+          </a:xfrm>
+        </p:spPr>
+        <p:txBody>
+          <a:bodyPr>
+            <a:normAutofit/>
+          </a:bodyPr>
+          <a:lstStyle/>
+          <a:p>
+            <a:pPr algn="ctr" rtl="1"/>
+            <a:r>
+              <a:rPr lang="en-US" dirty="0"/>
+              <a:t>System Requirements</a:t>
+            </a:r>
+          </a:p>
+        </p:txBody>
+      </p:sp>
+      <p:sp>
+        <p:nvSpPr>
+          <p:cNvPr id="5" name="Content Placeholder 4"/>
+          <p:cNvSpPr>
+            <a:spLocks noGrp="1"/>
+          </p:cNvSpPr>
+          <p:nvPr>
+            <p:ph idx="1"/>
+          </p:nvPr>
+        </p:nvSpPr>
+        <p:spPr>
+          <a:xfrm>
+            <a:off x="255181" y="1177436"/>
+            <a:ext cx="6809297" cy="3511061"/>
+          </a:xfrm>
+        </p:spPr>
+        <p:txBody>
+          <a:bodyPr>
+            <a:normAutofit/>
+          </a:bodyPr>
+          <a:lstStyle/>
+          <a:p>
+            <a:r>
+              <a:rPr lang="en-US" sz="2600" dirty="0"/>
+              <a:t> When the sensor is damage, the car will order tow truck (new)</a:t>
+            </a:r>
+          </a:p>
+          <a:p>
+            <a:r>
+              <a:rPr lang="en-US" sz="2600" dirty="0"/>
+              <a:t>When driver call the car then the car will come to his location (new)</a:t>
+            </a:r>
+          </a:p>
+          <a:p>
+            <a:r>
+              <a:rPr lang="en-US" sz="2600" dirty="0"/>
+              <a:t>When thief try to break the car: (new)</a:t>
+            </a:r>
+          </a:p>
+          <a:p>
+            <a:pPr lvl="1">
+              <a:buFont typeface="Wingdings" panose="05000000000000000000" pitchFamily="2" charset="2"/>
+              <a:buChar char="§"/>
+            </a:pPr>
+            <a:r>
+              <a:rPr lang="en-US" sz="2600" dirty="0"/>
+              <a:t>Deny access (forbid) </a:t>
+            </a:r>
+          </a:p>
+          <a:p>
+            <a:pPr lvl="1">
+              <a:buFont typeface="Wingdings" panose="05000000000000000000" pitchFamily="2" charset="2"/>
+              <a:buChar char="§"/>
+            </a:pPr>
+            <a:r>
+              <a:rPr lang="en-US" sz="2600" dirty="0"/>
+              <a:t>Will call the police</a:t>
+            </a:r>
+          </a:p>
+          <a:p>
+            <a:endParaRPr lang="en-US" sz="2600" dirty="0"/>
+          </a:p>
+        </p:txBody>
+      </p:sp>
+    </p:spTree>
+    <p:extLst>
+      <p:ext uri="{BB962C8B-B14F-4D97-AF65-F5344CB8AC3E}">
+        <p14:creationId xmlns:p14="http://schemas.microsoft.com/office/powerpoint/2010/main" val="77297149"/>
       </p:ext>
     </p:extLst>
   </p:cSld>
@@ -5023,6 +5503,652 @@
     <p:extLst>
       <p:ext uri="{BB962C8B-B14F-4D97-AF65-F5344CB8AC3E}">
         <p14:creationId xmlns:p14="http://schemas.microsoft.com/office/powerpoint/2010/main" val="4103309497"/>
+      </p:ext>
+    </p:extLst>
+  </p:cSld>
+  <p:clrMapOvr>
+    <a:masterClrMapping/>
+  </p:clrMapOvr>
+</p:sld>
+</file>
+
+<file path=ppt/slides/slide20.xml><?xml version="1.0" encoding="utf-8"?>
+<p:sld xmlns:a="http://schemas.openxmlformats.org/drawingml/2006/main" xmlns:r="http://schemas.openxmlformats.org/officeDocument/2006/relationships" xmlns:p="http://schemas.openxmlformats.org/presentationml/2006/main">
+  <p:cSld>
+    <p:spTree>
+      <p:nvGrpSpPr>
+        <p:cNvPr id="1" name=""/>
+        <p:cNvGrpSpPr/>
+        <p:nvPr/>
+      </p:nvGrpSpPr>
+      <p:grpSpPr>
+        <a:xfrm>
+          <a:off x="0" y="0"/>
+          <a:ext cx="0" cy="0"/>
+          <a:chOff x="0" y="0"/>
+          <a:chExt cx="0" cy="0"/>
+        </a:xfrm>
+      </p:grpSpPr>
+      <p:sp>
+        <p:nvSpPr>
+          <p:cNvPr id="4" name="Title 3"/>
+          <p:cNvSpPr>
+            <a:spLocks noGrp="1"/>
+          </p:cNvSpPr>
+          <p:nvPr>
+            <p:ph type="title"/>
+          </p:nvPr>
+        </p:nvSpPr>
+        <p:spPr>
+          <a:xfrm>
+            <a:off x="481502" y="266198"/>
+            <a:ext cx="6571913" cy="725349"/>
+          </a:xfrm>
+        </p:spPr>
+        <p:txBody>
+          <a:bodyPr>
+            <a:normAutofit/>
+          </a:bodyPr>
+          <a:lstStyle/>
+          <a:p>
+            <a:pPr algn="ctr" rtl="1"/>
+            <a:r>
+              <a:rPr lang="en-US" dirty="0"/>
+              <a:t>System Requirements</a:t>
+            </a:r>
+          </a:p>
+        </p:txBody>
+      </p:sp>
+      <p:sp>
+        <p:nvSpPr>
+          <p:cNvPr id="5" name="Content Placeholder 4"/>
+          <p:cNvSpPr>
+            <a:spLocks noGrp="1"/>
+          </p:cNvSpPr>
+          <p:nvPr>
+            <p:ph idx="1"/>
+          </p:nvPr>
+        </p:nvSpPr>
+        <p:spPr>
+          <a:xfrm>
+            <a:off x="255181" y="1177436"/>
+            <a:ext cx="6809297" cy="3511061"/>
+          </a:xfrm>
+        </p:spPr>
+        <p:txBody>
+          <a:bodyPr>
+            <a:normAutofit/>
+          </a:bodyPr>
+          <a:lstStyle/>
+          <a:p>
+            <a:r>
+              <a:rPr lang="en-US" sz="2600" dirty="0"/>
+              <a:t>When car parking, the computer: (same)</a:t>
+            </a:r>
+          </a:p>
+          <a:p>
+            <a:pPr lvl="1">
+              <a:buFont typeface="Wingdings" panose="05000000000000000000" pitchFamily="2" charset="2"/>
+              <a:buChar char="§"/>
+            </a:pPr>
+            <a:r>
+              <a:rPr lang="en-US" sz="2600" dirty="0"/>
+              <a:t>Will calculate the entering angle according to the data that receiving from sensors</a:t>
+            </a:r>
+          </a:p>
+          <a:p>
+            <a:pPr lvl="1">
+              <a:buFont typeface="Wingdings" panose="05000000000000000000" pitchFamily="2" charset="2"/>
+              <a:buChar char="§"/>
+            </a:pPr>
+            <a:r>
+              <a:rPr lang="en-US" sz="2600" dirty="0"/>
+              <a:t>Move the car wheel and press the gas </a:t>
+            </a:r>
+            <a:r>
+              <a:rPr lang="en-US" sz="2600" dirty="0" err="1"/>
+              <a:t>padle</a:t>
+            </a:r>
+            <a:r>
+              <a:rPr lang="en-US" sz="2600" dirty="0"/>
+              <a:t> </a:t>
+            </a:r>
+          </a:p>
+        </p:txBody>
+      </p:sp>
+    </p:spTree>
+    <p:extLst>
+      <p:ext uri="{BB962C8B-B14F-4D97-AF65-F5344CB8AC3E}">
+        <p14:creationId xmlns:p14="http://schemas.microsoft.com/office/powerpoint/2010/main" val="4192038367"/>
+      </p:ext>
+    </p:extLst>
+  </p:cSld>
+  <p:clrMapOvr>
+    <a:masterClrMapping/>
+  </p:clrMapOvr>
+</p:sld>
+</file>
+
+<file path=ppt/slides/slide21.xml><?xml version="1.0" encoding="utf-8"?>
+<p:sld xmlns:a="http://schemas.openxmlformats.org/drawingml/2006/main" xmlns:r="http://schemas.openxmlformats.org/officeDocument/2006/relationships" xmlns:p="http://schemas.openxmlformats.org/presentationml/2006/main">
+  <p:cSld>
+    <p:spTree>
+      <p:nvGrpSpPr>
+        <p:cNvPr id="1" name=""/>
+        <p:cNvGrpSpPr/>
+        <p:nvPr/>
+      </p:nvGrpSpPr>
+      <p:grpSpPr>
+        <a:xfrm>
+          <a:off x="0" y="0"/>
+          <a:ext cx="0" cy="0"/>
+          <a:chOff x="0" y="0"/>
+          <a:chExt cx="0" cy="0"/>
+        </a:xfrm>
+      </p:grpSpPr>
+      <p:sp>
+        <p:nvSpPr>
+          <p:cNvPr id="2" name="Title 1"/>
+          <p:cNvSpPr>
+            <a:spLocks noGrp="1"/>
+          </p:cNvSpPr>
+          <p:nvPr>
+            <p:ph type="title"/>
+          </p:nvPr>
+        </p:nvSpPr>
+        <p:spPr>
+          <a:xfrm>
+            <a:off x="0" y="216962"/>
+            <a:ext cx="8686800" cy="763526"/>
+          </a:xfrm>
+        </p:spPr>
+        <p:txBody>
+          <a:bodyPr>
+            <a:normAutofit/>
+          </a:bodyPr>
+          <a:lstStyle/>
+          <a:p>
+            <a:r>
+              <a:rPr lang="en-US" sz="3200"/>
+              <a:t>Controlled Natural Language</a:t>
+            </a:r>
+          </a:p>
+        </p:txBody>
+      </p:sp>
+      <p:sp>
+        <p:nvSpPr>
+          <p:cNvPr id="3" name="Content Placeholder 2"/>
+          <p:cNvSpPr>
+            <a:spLocks noGrp="1"/>
+          </p:cNvSpPr>
+          <p:nvPr>
+            <p:ph idx="1"/>
+          </p:nvPr>
+        </p:nvSpPr>
+        <p:spPr>
+          <a:xfrm>
+            <a:off x="448966" y="1224116"/>
+            <a:ext cx="8246070" cy="3638205"/>
+          </a:xfrm>
+        </p:spPr>
+        <p:txBody>
+          <a:bodyPr>
+            <a:normAutofit/>
+          </a:bodyPr>
+          <a:lstStyle/>
+          <a:p>
+            <a:r>
+              <a:rPr lang="en-US" dirty="0"/>
+              <a:t>When the user Look for parking then the car must access and the car must park</a:t>
+            </a:r>
+          </a:p>
+          <a:p>
+            <a:r>
+              <a:rPr lang="en-US" dirty="0"/>
+              <a:t>When the </a:t>
+            </a:r>
+            <a:r>
+              <a:rPr lang="en-US"/>
+              <a:t>car park, </a:t>
+            </a:r>
+            <a:r>
+              <a:rPr lang="en-US" dirty="0"/>
+              <a:t>the computer must search 2km radius and the computer must parking</a:t>
+            </a:r>
+          </a:p>
+          <a:p>
+            <a:r>
+              <a:rPr lang="en-US" dirty="0"/>
+              <a:t>When the car park, the gas paddle must press and the wheel must move and the sensors must work</a:t>
+            </a:r>
+          </a:p>
+          <a:p>
+            <a:endParaRPr lang="en-US" dirty="0"/>
+          </a:p>
+          <a:p>
+            <a:endParaRPr lang="en-US" dirty="0"/>
+          </a:p>
+          <a:p>
+            <a:pPr marL="0" indent="0">
+              <a:buNone/>
+            </a:pPr>
+            <a:endParaRPr lang="en-US" dirty="0"/>
+          </a:p>
+          <a:p>
+            <a:endParaRPr lang="en-US" dirty="0"/>
+          </a:p>
+          <a:p>
+            <a:endParaRPr lang="en-US" dirty="0"/>
+          </a:p>
+          <a:p>
+            <a:endParaRPr lang="en-US" dirty="0"/>
+          </a:p>
+        </p:txBody>
+      </p:sp>
+    </p:spTree>
+    <p:extLst>
+      <p:ext uri="{BB962C8B-B14F-4D97-AF65-F5344CB8AC3E}">
+        <p14:creationId xmlns:p14="http://schemas.microsoft.com/office/powerpoint/2010/main" val="325957025"/>
+      </p:ext>
+    </p:extLst>
+  </p:cSld>
+  <p:clrMapOvr>
+    <a:masterClrMapping/>
+  </p:clrMapOvr>
+</p:sld>
+</file>
+
+<file path=ppt/slides/slide22.xml><?xml version="1.0" encoding="utf-8"?>
+<p:sld xmlns:a="http://schemas.openxmlformats.org/drawingml/2006/main" xmlns:r="http://schemas.openxmlformats.org/officeDocument/2006/relationships" xmlns:p="http://schemas.openxmlformats.org/presentationml/2006/main">
+  <p:cSld>
+    <p:spTree>
+      <p:nvGrpSpPr>
+        <p:cNvPr id="1" name=""/>
+        <p:cNvGrpSpPr/>
+        <p:nvPr/>
+      </p:nvGrpSpPr>
+      <p:grpSpPr>
+        <a:xfrm>
+          <a:off x="0" y="0"/>
+          <a:ext cx="0" cy="0"/>
+          <a:chOff x="0" y="0"/>
+          <a:chExt cx="0" cy="0"/>
+        </a:xfrm>
+      </p:grpSpPr>
+      <p:sp>
+        <p:nvSpPr>
+          <p:cNvPr id="2" name="Title 1"/>
+          <p:cNvSpPr>
+            <a:spLocks noGrp="1"/>
+          </p:cNvSpPr>
+          <p:nvPr>
+            <p:ph type="title"/>
+          </p:nvPr>
+        </p:nvSpPr>
+        <p:spPr>
+          <a:xfrm>
+            <a:off x="0" y="216962"/>
+            <a:ext cx="8686800" cy="763526"/>
+          </a:xfrm>
+        </p:spPr>
+        <p:txBody>
+          <a:bodyPr>
+            <a:normAutofit/>
+          </a:bodyPr>
+          <a:lstStyle/>
+          <a:p>
+            <a:r>
+              <a:rPr lang="en-US" sz="3200"/>
+              <a:t>Controlled Natural Language</a:t>
+            </a:r>
+          </a:p>
+        </p:txBody>
+      </p:sp>
+      <p:sp>
+        <p:nvSpPr>
+          <p:cNvPr id="3" name="Content Placeholder 2"/>
+          <p:cNvSpPr>
+            <a:spLocks noGrp="1"/>
+          </p:cNvSpPr>
+          <p:nvPr>
+            <p:ph idx="1"/>
+          </p:nvPr>
+        </p:nvSpPr>
+        <p:spPr>
+          <a:xfrm>
+            <a:off x="448966" y="1224116"/>
+            <a:ext cx="8246070" cy="3638205"/>
+          </a:xfrm>
+        </p:spPr>
+        <p:txBody>
+          <a:bodyPr>
+            <a:normAutofit/>
+          </a:bodyPr>
+          <a:lstStyle/>
+          <a:p>
+            <a:r>
+              <a:rPr lang="en-US" dirty="0"/>
+              <a:t>When the user attempt to steals the car then the car must call and the car accesses and forbid</a:t>
+            </a:r>
+          </a:p>
+          <a:p>
+            <a:r>
+              <a:rPr lang="en-US" dirty="0"/>
+              <a:t>When the sensor damaged, the car must call tow truck</a:t>
+            </a:r>
+          </a:p>
+          <a:p>
+            <a:r>
+              <a:rPr lang="en-US" dirty="0"/>
+              <a:t>When the gas paddle pressed and the wheel moved and the sensors working, the computer must finish</a:t>
+            </a:r>
+          </a:p>
+          <a:p>
+            <a:endParaRPr lang="en-US" dirty="0"/>
+          </a:p>
+          <a:p>
+            <a:endParaRPr lang="en-US" dirty="0"/>
+          </a:p>
+          <a:p>
+            <a:pPr marL="0" indent="0">
+              <a:buNone/>
+            </a:pPr>
+            <a:endParaRPr lang="en-US" dirty="0"/>
+          </a:p>
+          <a:p>
+            <a:endParaRPr lang="en-US" dirty="0"/>
+          </a:p>
+          <a:p>
+            <a:endParaRPr lang="en-US" dirty="0"/>
+          </a:p>
+          <a:p>
+            <a:endParaRPr lang="en-US" dirty="0"/>
+          </a:p>
+        </p:txBody>
+      </p:sp>
+    </p:spTree>
+    <p:extLst>
+      <p:ext uri="{BB962C8B-B14F-4D97-AF65-F5344CB8AC3E}">
+        <p14:creationId xmlns:p14="http://schemas.microsoft.com/office/powerpoint/2010/main" val="3526191395"/>
+      </p:ext>
+    </p:extLst>
+  </p:cSld>
+  <p:clrMapOvr>
+    <a:masterClrMapping/>
+  </p:clrMapOvr>
+</p:sld>
+</file>
+
+<file path=ppt/slides/slide23.xml><?xml version="1.0" encoding="utf-8"?>
+<p:sld xmlns:a="http://schemas.openxmlformats.org/drawingml/2006/main" xmlns:r="http://schemas.openxmlformats.org/officeDocument/2006/relationships" xmlns:p="http://schemas.openxmlformats.org/presentationml/2006/main">
+  <p:cSld>
+    <p:spTree>
+      <p:nvGrpSpPr>
+        <p:cNvPr id="1" name=""/>
+        <p:cNvGrpSpPr/>
+        <p:nvPr/>
+      </p:nvGrpSpPr>
+      <p:grpSpPr>
+        <a:xfrm>
+          <a:off x="0" y="0"/>
+          <a:ext cx="0" cy="0"/>
+          <a:chOff x="0" y="0"/>
+          <a:chExt cx="0" cy="0"/>
+        </a:xfrm>
+      </p:grpSpPr>
+      <p:sp>
+        <p:nvSpPr>
+          <p:cNvPr id="4" name="Title 3"/>
+          <p:cNvSpPr>
+            <a:spLocks noGrp="1"/>
+          </p:cNvSpPr>
+          <p:nvPr>
+            <p:ph type="title"/>
+          </p:nvPr>
+        </p:nvSpPr>
+        <p:spPr>
+          <a:xfrm>
+            <a:off x="481502" y="266198"/>
+            <a:ext cx="6571913" cy="725349"/>
+          </a:xfrm>
+        </p:spPr>
+        <p:txBody>
+          <a:bodyPr>
+            <a:normAutofit/>
+          </a:bodyPr>
+          <a:lstStyle/>
+          <a:p>
+            <a:pPr algn="ctr" rtl="1"/>
+            <a:r>
+              <a:rPr lang="en-US" sz="1800" b="1" i="0" u="none" strike="noStrike">
+                <a:solidFill>
+                  <a:srgbClr val="000000"/>
+                </a:solidFill>
+                <a:effectLst/>
+                <a:latin typeface="Twentieth Century"/>
+              </a:rPr>
+              <a:t> </a:t>
+            </a:r>
+            <a:r>
+              <a:rPr lang="en-US"/>
+              <a:t>Reflection on course</a:t>
+            </a:r>
+          </a:p>
+        </p:txBody>
+      </p:sp>
+      <p:sp>
+        <p:nvSpPr>
+          <p:cNvPr id="5" name="Content Placeholder 4"/>
+          <p:cNvSpPr>
+            <a:spLocks noGrp="1"/>
+          </p:cNvSpPr>
+          <p:nvPr>
+            <p:ph idx="1"/>
+          </p:nvPr>
+        </p:nvSpPr>
+        <p:spPr>
+          <a:xfrm>
+            <a:off x="255181" y="1177436"/>
+            <a:ext cx="6809297" cy="3511061"/>
+          </a:xfrm>
+        </p:spPr>
+        <p:txBody>
+          <a:bodyPr>
+            <a:normAutofit fontScale="92500" lnSpcReduction="10000"/>
+          </a:bodyPr>
+          <a:lstStyle/>
+          <a:p>
+            <a:pPr marL="0" indent="0" algn="r" rtl="1">
+              <a:buNone/>
+            </a:pPr>
+            <a:r>
+              <a:rPr lang="he-IL" sz="2600" dirty="0"/>
+              <a:t>ויטלי:</a:t>
+            </a:r>
+            <a:endParaRPr lang="en-US" sz="2600" dirty="0"/>
+          </a:p>
+          <a:p>
+            <a:pPr marL="0" indent="0" algn="r" rtl="1">
+              <a:buNone/>
+            </a:pPr>
+            <a:r>
+              <a:rPr lang="he-IL" sz="2600" dirty="0"/>
+              <a:t>ויטלי: הקורס הועבר בצורה מקוונת שזה שונה מרוב הקורסים( עם שיעורים מוקלטים מראש) זה משהוא שלא נתקלתי בו בעבר שזה היה נחמד וטוב.</a:t>
+            </a:r>
+          </a:p>
+          <a:p>
+            <a:pPr marL="0" indent="0" algn="r" rtl="1">
+              <a:buNone/>
+            </a:pPr>
+            <a:r>
+              <a:rPr lang="he-IL" sz="2600" dirty="0"/>
+              <a:t>בקשר לתוכן של הקורס, הקורס מביא זווית אחרת לעולם של תכנות ( שלא </a:t>
+            </a:r>
+            <a:r>
+              <a:rPr lang="he-IL" sz="2600" dirty="0" err="1"/>
+              <a:t>הכל</a:t>
+            </a:r>
+            <a:r>
+              <a:rPr lang="he-IL" sz="2600" dirty="0"/>
+              <a:t> חייב להיות קוד וקוד </a:t>
+            </a:r>
+            <a:r>
+              <a:rPr lang="he-IL" sz="2600" dirty="0" err="1"/>
+              <a:t>וקוד</a:t>
+            </a:r>
+            <a:r>
+              <a:rPr lang="he-IL" sz="2600" dirty="0"/>
+              <a:t> ) הקורס גם מביא ידע יותר כללי על עולם התכנות ( ואיך זה התפתח).קורס לא הכי פשוט אך גם לא קשה מדי. אמשיך לעקוב אחרי שעות ויזואליות גם בהמשך הדרך שלי. </a:t>
+            </a:r>
+          </a:p>
+          <a:p>
+            <a:pPr marL="0" indent="0" algn="r" rtl="1">
+              <a:buNone/>
+            </a:pPr>
+            <a:endParaRPr lang="he-IL" sz="2600" dirty="0"/>
+          </a:p>
+          <a:p>
+            <a:pPr marL="0" indent="0" algn="r" rtl="1">
+              <a:buNone/>
+            </a:pPr>
+            <a:endParaRPr lang="en-US" sz="2600" dirty="0"/>
+          </a:p>
+        </p:txBody>
+      </p:sp>
+    </p:spTree>
+    <p:extLst>
+      <p:ext uri="{BB962C8B-B14F-4D97-AF65-F5344CB8AC3E}">
+        <p14:creationId xmlns:p14="http://schemas.microsoft.com/office/powerpoint/2010/main" val="1971567857"/>
+      </p:ext>
+    </p:extLst>
+  </p:cSld>
+  <p:clrMapOvr>
+    <a:masterClrMapping/>
+  </p:clrMapOvr>
+</p:sld>
+</file>
+
+<file path=ppt/slides/slide24.xml><?xml version="1.0" encoding="utf-8"?>
+<p:sld xmlns:a="http://schemas.openxmlformats.org/drawingml/2006/main" xmlns:r="http://schemas.openxmlformats.org/officeDocument/2006/relationships" xmlns:p="http://schemas.openxmlformats.org/presentationml/2006/main">
+  <p:cSld>
+    <p:spTree>
+      <p:nvGrpSpPr>
+        <p:cNvPr id="1" name=""/>
+        <p:cNvGrpSpPr/>
+        <p:nvPr/>
+      </p:nvGrpSpPr>
+      <p:grpSpPr>
+        <a:xfrm>
+          <a:off x="0" y="0"/>
+          <a:ext cx="0" cy="0"/>
+          <a:chOff x="0" y="0"/>
+          <a:chExt cx="0" cy="0"/>
+        </a:xfrm>
+      </p:grpSpPr>
+      <p:sp>
+        <p:nvSpPr>
+          <p:cNvPr id="4" name="Title 3"/>
+          <p:cNvSpPr>
+            <a:spLocks noGrp="1"/>
+          </p:cNvSpPr>
+          <p:nvPr>
+            <p:ph type="title"/>
+          </p:nvPr>
+        </p:nvSpPr>
+        <p:spPr>
+          <a:xfrm>
+            <a:off x="481502" y="266198"/>
+            <a:ext cx="6571913" cy="725349"/>
+          </a:xfrm>
+        </p:spPr>
+        <p:txBody>
+          <a:bodyPr>
+            <a:normAutofit/>
+          </a:bodyPr>
+          <a:lstStyle/>
+          <a:p>
+            <a:pPr algn="ctr" rtl="1"/>
+            <a:r>
+              <a:rPr lang="en-US" sz="1800" b="1" i="0" u="none" strike="noStrike">
+                <a:solidFill>
+                  <a:srgbClr val="000000"/>
+                </a:solidFill>
+                <a:effectLst/>
+                <a:latin typeface="Twentieth Century"/>
+              </a:rPr>
+              <a:t> </a:t>
+            </a:r>
+            <a:r>
+              <a:rPr lang="en-US"/>
+              <a:t>Reflection on course</a:t>
+            </a:r>
+          </a:p>
+        </p:txBody>
+      </p:sp>
+      <p:sp>
+        <p:nvSpPr>
+          <p:cNvPr id="5" name="Content Placeholder 4"/>
+          <p:cNvSpPr>
+            <a:spLocks noGrp="1"/>
+          </p:cNvSpPr>
+          <p:nvPr>
+            <p:ph idx="1"/>
+          </p:nvPr>
+        </p:nvSpPr>
+        <p:spPr>
+          <a:xfrm>
+            <a:off x="255181" y="1177436"/>
+            <a:ext cx="6809297" cy="3511061"/>
+          </a:xfrm>
+        </p:spPr>
+        <p:txBody>
+          <a:bodyPr>
+            <a:normAutofit/>
+          </a:bodyPr>
+          <a:lstStyle/>
+          <a:p>
+            <a:pPr marL="0" indent="0" algn="r" rtl="1">
+              <a:buNone/>
+            </a:pPr>
+            <a:r>
+              <a:rPr lang="he-IL" sz="2600" dirty="0"/>
+              <a:t>ירין:</a:t>
+            </a:r>
+          </a:p>
+          <a:p>
+            <a:pPr marL="0" indent="0" algn="r" rtl="1">
+              <a:buNone/>
+            </a:pPr>
+            <a:r>
+              <a:rPr lang="he-IL" sz="2600" dirty="0"/>
+              <a:t>בתור סטודנטית עם הפרעות קשב וריכוז, הקורס הזה אפשר לי למידה בצורה מיטבית.</a:t>
+            </a:r>
+          </a:p>
+          <a:p>
+            <a:pPr marL="0" indent="0" algn="r" rtl="1">
+              <a:buNone/>
+            </a:pPr>
+            <a:r>
+              <a:rPr lang="he-IL" sz="2600" dirty="0"/>
+              <a:t>הייתי יכולה לחזור בקלות שוב על נושאים שהייתי צריכה חזרה עליהם באמצעות הסרטונים וההקלטות הזום שהעלית.</a:t>
+            </a:r>
+          </a:p>
+          <a:p>
+            <a:pPr marL="0" indent="0" algn="r" rtl="1">
+              <a:buNone/>
+            </a:pPr>
+            <a:r>
+              <a:rPr lang="he-IL" sz="2600" dirty="0"/>
+              <a:t>אני מכירה שפה ויזואלית מהעמותה שאני מתנדבת בה והרחבת לי גם את הידע בנושא זה.</a:t>
+            </a:r>
+            <a:endParaRPr lang="en-US" sz="2600" dirty="0"/>
+          </a:p>
+        </p:txBody>
+      </p:sp>
+    </p:spTree>
+    <p:extLst>
+      <p:ext uri="{BB962C8B-B14F-4D97-AF65-F5344CB8AC3E}">
+        <p14:creationId xmlns:p14="http://schemas.microsoft.com/office/powerpoint/2010/main" val="1479319150"/>
       </p:ext>
     </p:extLst>
   </p:cSld>

--- a/רכב אוטונומי .pptx
+++ b/רכב אוטונומי .pptx
@@ -5965,7 +5965,6 @@
               <a:rPr lang="he-IL" sz="2600" dirty="0"/>
               <a:t>ויטלי:</a:t>
             </a:r>
-            <a:endParaRPr lang="en-US" sz="2600" dirty="0"/>
           </a:p>
           <a:p>
             <a:pPr marL="0" indent="0" algn="r" rtl="1">
@@ -5973,7 +5972,7 @@
             </a:pPr>
             <a:r>
               <a:rPr lang="he-IL" sz="2600" dirty="0"/>
-              <a:t>ויטלי: הקורס הועבר בצורה מקוונת שזה שונה מרוב הקורסים( עם שיעורים מוקלטים מראש) זה משהוא שלא נתקלתי בו בעבר שזה היה נחמד וטוב.</a:t>
+              <a:t> הקורס הועבר בצורה מקוונת שזה שונה מרוב הקורסים( עם שיעורים מוקלטים מראש) זה משהוא שלא נתקלתי בו בעבר שזה היה נחמד וטוב.</a:t>
             </a:r>
           </a:p>
           <a:p>
@@ -5998,7 +5997,7 @@
             </a:r>
             <a:r>
               <a:rPr lang="he-IL" sz="2600" dirty="0"/>
-              <a:t> ) הקורס גם מביא ידע יותר כללי על עולם התכנות ( ואיך זה התפתח).קורס לא הכי פשוט אך גם לא קשה מדי. אמשיך לעקוב אחרי שעות ויזואליות גם בהמשך הדרך שלי. </a:t>
+              <a:t> ) הקורס גם מביא ידע יותר כללי על עולם התכנות ( ואיך זה התפתח).קורס לא הכי פשוט אך גם לא קשה מדי. אמשיך לעקוב אחרי שפות ויזואליות גם בהמשך הדרך שלי. </a:t>
             </a:r>
           </a:p>
           <a:p>
